--- a/fall13/slidesF13/prepcheck.10-18.pptx
+++ b/fall13/slidesF13/prepcheck.10-18.pptx
@@ -3114,8 +3114,8 @@
         </p:nvSpPr>
         <p:spPr>
           <a:xfrm>
-            <a:off x="192374" y="1364197"/>
-            <a:ext cx="8832566" cy="4154983"/>
+            <a:off x="117669" y="1543489"/>
+            <a:ext cx="8994770" cy="3785652"/>
           </a:xfrm>
           <a:prstGeom prst="rect">
             <a:avLst/>
@@ -3128,139 +3128,56 @@
           </a:bodyPr>
           <a:lstStyle/>
           <a:p>
-            <a:pPr marL="514350" indent="-514350">
+            <a:r>
+              <a:rPr lang="en-US" sz="6000" dirty="0" smtClean="0">
+                <a:latin typeface="Comic Sans MS"/>
+                <a:cs typeface="Comic Sans MS"/>
+              </a:rPr>
+              <a:t>Give an example of</a:t>
+            </a:r>
+          </a:p>
+          <a:p>
+            <a:pPr marL="742950" indent="-742950">
               <a:buFont typeface="+mj-lt"/>
               <a:buAutoNum type="arabicPeriod"/>
             </a:pPr>
             <a:r>
-              <a:rPr lang="en-US" sz="4400" dirty="0" smtClean="0">
+              <a:rPr lang="en-US" sz="6000" dirty="0" smtClean="0">
                 <a:latin typeface="Comic Sans MS"/>
                 <a:cs typeface="Comic Sans MS"/>
               </a:rPr>
-              <a:t>What is</a:t>
+              <a:t>a strict partial order</a:t>
             </a:r>
           </a:p>
           <a:p>
             <a:pPr marL="742950" indent="-742950">
               <a:buFont typeface="+mj-lt"/>
-              <a:buAutoNum type="alphaLcParenR"/>
+              <a:buAutoNum type="arabicPeriod"/>
             </a:pPr>
             <a:r>
-              <a:rPr lang="en-US" sz="4400" dirty="0" smtClean="0">
+              <a:rPr lang="en-US" sz="6000" dirty="0" smtClean="0">
                 <a:latin typeface="Comic Sans MS"/>
                 <a:cs typeface="Comic Sans MS"/>
               </a:rPr>
-              <a:t>a </a:t>
-            </a:r>
-            <a:r>
-              <a:rPr lang="en-US" sz="4400" dirty="0" smtClean="0">
-                <a:solidFill>
-                  <a:srgbClr val="0000FF"/>
-                </a:solidFill>
+              <a:t>a weak partial order</a:t>
+            </a:r>
+          </a:p>
+          <a:p>
+            <a:pPr marL="742950" indent="-742950">
+              <a:buFont typeface="+mj-lt"/>
+              <a:buAutoNum type="arabicPeriod"/>
+            </a:pPr>
+            <a:r>
+              <a:rPr lang="en-US" sz="6000" dirty="0" smtClean="0">
                 <a:latin typeface="Comic Sans MS"/>
                 <a:cs typeface="Comic Sans MS"/>
               </a:rPr>
-              <a:t>reflexive</a:t>
-            </a:r>
-            <a:r>
-              <a:rPr lang="en-US" sz="4400" dirty="0" smtClean="0">
-                <a:latin typeface="Comic Sans MS"/>
-                <a:cs typeface="Comic Sans MS"/>
-              </a:rPr>
-              <a:t> binary relation?</a:t>
-            </a:r>
-          </a:p>
-          <a:p>
-            <a:pPr marL="742950" indent="-742950">
-              <a:buFont typeface="+mj-lt"/>
-              <a:buAutoNum type="alphaLcParenR"/>
-            </a:pPr>
-            <a:r>
-              <a:rPr lang="en-US" sz="4400" dirty="0" smtClean="0">
-                <a:latin typeface="Comic Sans MS"/>
-                <a:cs typeface="Comic Sans MS"/>
-              </a:rPr>
-              <a:t>an </a:t>
-            </a:r>
-            <a:r>
-              <a:rPr lang="en-US" sz="4400" dirty="0" err="1" smtClean="0">
-                <a:solidFill>
-                  <a:srgbClr val="FF0000"/>
-                </a:solidFill>
-                <a:latin typeface="Comic Sans MS"/>
-                <a:cs typeface="Comic Sans MS"/>
-              </a:rPr>
-              <a:t>ir</a:t>
-            </a:r>
-            <a:r>
-              <a:rPr lang="en-US" sz="4400" dirty="0" err="1" smtClean="0">
-                <a:solidFill>
-                  <a:srgbClr val="0000FF"/>
-                </a:solidFill>
-                <a:latin typeface="Comic Sans MS"/>
-                <a:cs typeface="Comic Sans MS"/>
-              </a:rPr>
-              <a:t>reflexive</a:t>
-            </a:r>
-            <a:r>
-              <a:rPr lang="en-US" sz="4400" dirty="0" smtClean="0">
-                <a:latin typeface="Comic Sans MS"/>
-                <a:cs typeface="Comic Sans MS"/>
-              </a:rPr>
-              <a:t> </a:t>
-            </a:r>
-            <a:r>
-              <a:rPr lang="en-US" sz="4400" dirty="0">
-                <a:latin typeface="Comic Sans MS"/>
-                <a:cs typeface="Comic Sans MS"/>
-              </a:rPr>
-              <a:t>binary relation</a:t>
-            </a:r>
-            <a:r>
-              <a:rPr lang="en-US" sz="4400" dirty="0" smtClean="0">
-                <a:latin typeface="Comic Sans MS"/>
-                <a:cs typeface="Comic Sans MS"/>
-              </a:rPr>
-              <a:t>?</a:t>
-            </a:r>
-          </a:p>
-          <a:p>
-            <a:pPr marL="742950" indent="-742950">
-              <a:buFont typeface="+mj-lt"/>
-              <a:buAutoNum type="arabicPeriod" startAt="2"/>
-            </a:pPr>
-            <a:r>
-              <a:rPr lang="en-US" sz="4400" dirty="0" smtClean="0">
-                <a:latin typeface="Comic Sans MS"/>
-                <a:cs typeface="Comic Sans MS"/>
-              </a:rPr>
-              <a:t>Name and define two more </a:t>
-            </a:r>
-          </a:p>
-          <a:p>
-            <a:r>
-              <a:rPr lang="en-US" sz="4400" dirty="0" smtClean="0">
-                <a:latin typeface="Comic Sans MS"/>
-                <a:cs typeface="Comic Sans MS"/>
-              </a:rPr>
-              <a:t>     properties of binary relations</a:t>
-            </a:r>
-          </a:p>
-          <a:p>
-            <a:r>
-              <a:rPr lang="en-US" sz="4400" dirty="0">
-                <a:latin typeface="Comic Sans MS"/>
-                <a:cs typeface="Comic Sans MS"/>
-              </a:rPr>
-              <a:t> </a:t>
-            </a:r>
-            <a:r>
-              <a:rPr lang="en-US" sz="4400" dirty="0" smtClean="0">
-                <a:latin typeface="Comic Sans MS"/>
-                <a:cs typeface="Comic Sans MS"/>
-              </a:rPr>
-              <a:t>    given in today’s reading.</a:t>
-            </a:r>
+              <a:t>an equivalence relation</a:t>
+            </a:r>
+            <a:endParaRPr lang="en-US" sz="6000" dirty="0" smtClean="0">
+              <a:latin typeface="Comic Sans MS"/>
+              <a:cs typeface="Comic Sans MS"/>
+            </a:endParaRPr>
           </a:p>
         </p:txBody>
       </p:sp>
